--- a/PptxDemo/Test.pptx
+++ b/PptxDemo/Test.pptx
@@ -546,75 +546,67 @@
                             </p:stCondLst>
                             <p:childTnLst>
                               <p:par>
-                                <p:cTn id="5" presetID="2" presetClass="entr" presetSubtype="4" fill="hold" grpId="0" nodeType="clickEffect">
+                                <p:cTn id="5" presetID="27" presetClass="emph" presetSubtype="0" fill="remove" grpId="0" nodeType="clickEffect">
                                   <p:stCondLst>
                                     <p:cond delay="0"/>
                                   </p:stCondLst>
                                   <p:childTnLst>
-                                    <p:set>
-                                      <p:cBhvr>
-                                        <p:cTn id="6" dur="1" fill="hold">
-                                          <p:stCondLst>
-                                            <p:cond delay="0"/>
-                                          </p:stCondLst>
-                                        </p:cTn>
+                                    <p:animClr clrSpc="rgb" dir="cw">
+                                      <p:cBhvr override="childStyle">
+                                        <p:cTn id="6" dur="250" autoRev="1" fill="remove"/>
                                         <p:tgtEl>
                                           <p:spTgt spid="2"/>
                                         </p:tgtEl>
                                         <p:attrNameLst>
-                                          <p:attrName>style.visibility</p:attrName>
+                                          <p:attrName>style.color</p:attrName>
                                         </p:attrNameLst>
                                       </p:cBhvr>
                                       <p:to>
-                                        <p:strVal val="visible"/>
+                                        <a:schemeClr val="bg1"/>
                                       </p:to>
-                                    </p:set>
-                                    <p:anim calcmode="lin" valueType="num">
-                                      <p:cBhvr additive="base">
-                                        <p:cTn id="7" dur="500" fill="hold"/>
+                                    </p:animClr>
+                                    <p:animClr clrSpc="rgb" dir="cw">
+                                      <p:cBhvr>
+                                        <p:cTn id="7" dur="250" autoRev="1" fill="remove"/>
                                         <p:tgtEl>
                                           <p:spTgt spid="2"/>
                                         </p:tgtEl>
                                         <p:attrNameLst>
-                                          <p:attrName>ppt_x</p:attrName>
+                                          <p:attrName>fillcolor</p:attrName>
                                         </p:attrNameLst>
                                       </p:cBhvr>
-                                      <p:tavLst>
-                                        <p:tav tm="0">
-                                          <p:val>
-                                            <p:strVal val="#ppt_x"/>
-                                          </p:val>
-                                        </p:tav>
-                                        <p:tav tm="100000">
-                                          <p:val>
-                                            <p:strVal val="#ppt_x"/>
-                                          </p:val>
-                                        </p:tav>
-                                      </p:tavLst>
-                                    </p:anim>
-                                    <p:anim calcmode="lin" valueType="num">
-                                      <p:cBhvr additive="base">
-                                        <p:cTn id="8" dur="500" fill="hold"/>
+                                      <p:to>
+                                        <a:schemeClr val="bg1"/>
+                                      </p:to>
+                                    </p:animClr>
+                                    <p:set>
+                                      <p:cBhvr>
+                                        <p:cTn id="8" dur="250" autoRev="1" fill="remove"/>
                                         <p:tgtEl>
                                           <p:spTgt spid="2"/>
                                         </p:tgtEl>
                                         <p:attrNameLst>
-                                          <p:attrName>ppt_y</p:attrName>
+                                          <p:attrName>fill.type</p:attrName>
                                         </p:attrNameLst>
                                       </p:cBhvr>
-                                      <p:tavLst>
-                                        <p:tav tm="0">
-                                          <p:val>
-                                            <p:strVal val="1+#ppt_h/2"/>
-                                          </p:val>
-                                        </p:tav>
-                                        <p:tav tm="100000">
-                                          <p:val>
-                                            <p:strVal val="#ppt_y"/>
-                                          </p:val>
-                                        </p:tav>
-                                      </p:tavLst>
-                                    </p:anim>
+                                      <p:to>
+                                        <p:strVal val="solid"/>
+                                      </p:to>
+                                    </p:set>
+                                    <p:set>
+                                      <p:cBhvr>
+                                        <p:cTn id="9" dur="250" autoRev="1" fill="remove"/>
+                                        <p:tgtEl>
+                                          <p:spTgt spid="2"/>
+                                        </p:tgtEl>
+                                        <p:attrNameLst>
+                                          <p:attrName>fill.on</p:attrName>
+                                        </p:attrNameLst>
+                                      </p:cBhvr>
+                                      <p:to>
+                                        <p:strVal val="true"/>
+                                      </p:to>
+                                    </p:set>
                                   </p:childTnLst>
                                 </p:cTn>
                               </p:par>

--- a/PptxDemo/Test.pptx
+++ b/PptxDemo/Test.pptx
@@ -546,67 +546,23 @@
                             </p:stCondLst>
                             <p:childTnLst>
                               <p:par>
-                                <p:cTn id="5" presetID="27" presetClass="emph" presetSubtype="0" fill="remove" grpId="0" nodeType="clickEffect">
+                                <p:cTn id="5" presetID="42" presetClass="path" presetSubtype="0" accel="50000" decel="50000" fill="hold" grpId="0" nodeType="clickEffect">
                                   <p:stCondLst>
                                     <p:cond delay="0"/>
                                   </p:stCondLst>
                                   <p:childTnLst>
-                                    <p:animClr clrSpc="rgb" dir="cw">
-                                      <p:cBhvr override="childStyle">
-                                        <p:cTn id="6" dur="250" autoRev="1" fill="remove"/>
+                                    <p:animMotion origin="layout" path="M 0 0 L 0 0.25 E" pathEditMode="relative" ptsTypes="">
+                                      <p:cBhvr>
+                                        <p:cTn id="6" dur="2000" fill="hold"/>
                                         <p:tgtEl>
                                           <p:spTgt spid="2"/>
                                         </p:tgtEl>
                                         <p:attrNameLst>
-                                          <p:attrName>style.color</p:attrName>
+                                          <p:attrName>ppt_x</p:attrName>
+                                          <p:attrName>ppt_y</p:attrName>
                                         </p:attrNameLst>
                                       </p:cBhvr>
-                                      <p:to>
-                                        <a:schemeClr val="bg1"/>
-                                      </p:to>
-                                    </p:animClr>
-                                    <p:animClr clrSpc="rgb" dir="cw">
-                                      <p:cBhvr>
-                                        <p:cTn id="7" dur="250" autoRev="1" fill="remove"/>
-                                        <p:tgtEl>
-                                          <p:spTgt spid="2"/>
-                                        </p:tgtEl>
-                                        <p:attrNameLst>
-                                          <p:attrName>fillcolor</p:attrName>
-                                        </p:attrNameLst>
-                                      </p:cBhvr>
-                                      <p:to>
-                                        <a:schemeClr val="bg1"/>
-                                      </p:to>
-                                    </p:animClr>
-                                    <p:set>
-                                      <p:cBhvr>
-                                        <p:cTn id="8" dur="250" autoRev="1" fill="remove"/>
-                                        <p:tgtEl>
-                                          <p:spTgt spid="2"/>
-                                        </p:tgtEl>
-                                        <p:attrNameLst>
-                                          <p:attrName>fill.type</p:attrName>
-                                        </p:attrNameLst>
-                                      </p:cBhvr>
-                                      <p:to>
-                                        <p:strVal val="solid"/>
-                                      </p:to>
-                                    </p:set>
-                                    <p:set>
-                                      <p:cBhvr>
-                                        <p:cTn id="9" dur="250" autoRev="1" fill="remove"/>
-                                        <p:tgtEl>
-                                          <p:spTgt spid="2"/>
-                                        </p:tgtEl>
-                                        <p:attrNameLst>
-                                          <p:attrName>fill.on</p:attrName>
-                                        </p:attrNameLst>
-                                      </p:cBhvr>
-                                      <p:to>
-                                        <p:strVal val="true"/>
-                                      </p:to>
-                                    </p:set>
+                                    </p:animMotion>
                                   </p:childTnLst>
                                 </p:cTn>
                               </p:par>

--- a/PptxDemo/Test.pptx
+++ b/PptxDemo/Test.pptx
@@ -546,23 +546,37 @@
                             </p:stCondLst>
                             <p:childTnLst>
                               <p:par>
-                                <p:cTn id="5" presetID="42" presetClass="path" presetSubtype="0" accel="50000" decel="50000" fill="hold" grpId="0" nodeType="clickEffect">
+                                <p:cTn id="5" presetID="16" presetClass="exit" presetSubtype="21" fill="hold" grpId="0" nodeType="clickEffect">
                                   <p:stCondLst>
                                     <p:cond delay="0"/>
                                   </p:stCondLst>
                                   <p:childTnLst>
-                                    <p:animMotion origin="layout" path="M 0 0 L 0 0.25 E" pathEditMode="relative" ptsTypes="">
+                                    <p:animEffect transition="out" filter="barn(inVertical)">
                                       <p:cBhvr>
-                                        <p:cTn id="6" dur="2000" fill="hold"/>
+                                        <p:cTn id="6" dur="500"/>
+                                        <p:tgtEl>
+                                          <p:spTgt spid="2"/>
+                                        </p:tgtEl>
+                                      </p:cBhvr>
+                                    </p:animEffect>
+                                    <p:set>
+                                      <p:cBhvr>
+                                        <p:cTn id="7" dur="1" fill="hold">
+                                          <p:stCondLst>
+                                            <p:cond delay="499"/>
+                                          </p:stCondLst>
+                                        </p:cTn>
                                         <p:tgtEl>
                                           <p:spTgt spid="2"/>
                                         </p:tgtEl>
                                         <p:attrNameLst>
-                                          <p:attrName>ppt_x</p:attrName>
-                                          <p:attrName>ppt_y</p:attrName>
+                                          <p:attrName>style.visibility</p:attrName>
                                         </p:attrNameLst>
                                       </p:cBhvr>
-                                    </p:animMotion>
+                                      <p:to>
+                                        <p:strVal val="hidden"/>
+                                      </p:to>
+                                    </p:set>
                                   </p:childTnLst>
                                 </p:cTn>
                               </p:par>

--- a/PptxDemo/Test.pptx
+++ b/PptxDemo/Test.pptx
@@ -475,46 +475,39 @@
           <a:chExt cx="0" cy="0"/>
         </a:xfrm>
       </p:grpSpPr>
-      <p:sp>
-        <p:nvSpPr>
-          <p:cNvPr id="2" name="矩形 1"/>
-          <p:cNvSpPr/>
-          <p:nvPr/>
-        </p:nvSpPr>
+      <p:pic>
+        <p:nvPicPr>
+          <p:cNvPr id="3" name="小视频">
+            <a:hlinkClick r:id="" action="ppaction://media"/>
+          </p:cNvPr>
+          <p:cNvPicPr>
+            <a:picLocks noChangeAspect="1"/>
+          </p:cNvPicPr>
+          <p:nvPr>
+            <a:videoFile r:link="rId2"/>
+            <p:extLst>
+              <p:ext uri="{DAA4B4D4-6D71-4841-9C94-3DE7FCFB9230}">
+                <p14:media xmlns:p14="http://schemas.microsoft.com/office/powerpoint/2010/main" r:embed="rId1"/>
+              </p:ext>
+            </p:extLst>
+          </p:nvPr>
+        </p:nvPicPr>
+        <p:blipFill>
+          <a:blip r:embed="rId4"/>
+          <a:stretch>
+            <a:fillRect/>
+          </a:stretch>
+        </p:blipFill>
         <p:spPr>
           <a:xfrm>
-            <a:off x="5883216" y="1871932"/>
-            <a:ext cx="1768415" cy="845389"/>
+            <a:off x="2231671" y="1609710"/>
+            <a:ext cx="6096000" cy="3429000"/>
           </a:xfrm>
           <a:prstGeom prst="rect">
             <a:avLst/>
           </a:prstGeom>
         </p:spPr>
-        <p:style>
-          <a:lnRef idx="2">
-            <a:schemeClr val="accent1">
-              <a:shade val="50000"/>
-            </a:schemeClr>
-          </a:lnRef>
-          <a:fillRef idx="1">
-            <a:schemeClr val="accent1"/>
-          </a:fillRef>
-          <a:effectRef idx="0">
-            <a:schemeClr val="accent1"/>
-          </a:effectRef>
-          <a:fontRef idx="minor">
-            <a:schemeClr val="lt1"/>
-          </a:fontRef>
-        </p:style>
-        <p:txBody>
-          <a:bodyPr rtlCol="0" anchor="ctr"/>
-          <a:lstStyle/>
-          <a:p>
-            <a:pPr algn="ctr"/>
-            <a:endParaRPr lang="zh-CN" altLang="en-US"/>
-          </a:p>
-        </p:txBody>
-      </p:sp>
+      </p:pic>
     </p:spTree>
     <p:extLst>
       <p:ext uri="{BB962C8B-B14F-4D97-AF65-F5344CB8AC3E}">
@@ -546,37 +539,19 @@
                             </p:stCondLst>
                             <p:childTnLst>
                               <p:par>
-                                <p:cTn id="5" presetID="16" presetClass="exit" presetSubtype="21" fill="hold" grpId="0" nodeType="clickEffect">
+                                <p:cTn id="5" presetID="1" presetClass="mediacall" presetSubtype="0" fill="hold" nodeType="clickEffect">
                                   <p:stCondLst>
                                     <p:cond delay="0"/>
                                   </p:stCondLst>
                                   <p:childTnLst>
-                                    <p:animEffect transition="out" filter="barn(inVertical)">
+                                    <p:cmd type="call" cmd="playFrom(0.0)">
                                       <p:cBhvr>
-                                        <p:cTn id="6" dur="500"/>
+                                        <p:cTn id="6" dur="1137" fill="hold"/>
                                         <p:tgtEl>
-                                          <p:spTgt spid="2"/>
+                                          <p:spTgt spid="3"/>
                                         </p:tgtEl>
                                       </p:cBhvr>
-                                    </p:animEffect>
-                                    <p:set>
-                                      <p:cBhvr>
-                                        <p:cTn id="7" dur="1" fill="hold">
-                                          <p:stCondLst>
-                                            <p:cond delay="499"/>
-                                          </p:stCondLst>
-                                        </p:cTn>
-                                        <p:tgtEl>
-                                          <p:spTgt spid="2"/>
-                                        </p:tgtEl>
-                                        <p:attrNameLst>
-                                          <p:attrName>style.visibility</p:attrName>
-                                        </p:attrNameLst>
-                                      </p:cBhvr>
-                                      <p:to>
-                                        <p:strVal val="hidden"/>
-                                      </p:to>
-                                    </p:set>
+                                    </p:cmd>
                                   </p:childTnLst>
                                 </p:cTn>
                               </p:par>
@@ -603,13 +578,22 @@
                 </p:cond>
               </p:nextCondLst>
             </p:seq>
+            <p:video>
+              <p:cMediaNode vol="80000">
+                <p:cTn id="7" fill="hold" display="0">
+                  <p:stCondLst>
+                    <p:cond delay="indefinite"/>
+                  </p:stCondLst>
+                </p:cTn>
+                <p:tgtEl>
+                  <p:spTgt spid="3"/>
+                </p:tgtEl>
+              </p:cMediaNode>
+            </p:video>
           </p:childTnLst>
         </p:cTn>
       </p:par>
     </p:tnLst>
-    <p:bldLst>
-      <p:bldP spid="2" grpId="0" animBg="1"/>
-    </p:bldLst>
   </p:timing>
 </p:sld>
 </file>

--- a/PptxDemo/Test.pptx
+++ b/PptxDemo/Test.pptx
@@ -475,39 +475,46 @@
           <a:chExt cx="0" cy="0"/>
         </a:xfrm>
       </p:grpSpPr>
-      <p:pic>
-        <p:nvPicPr>
-          <p:cNvPr id="3" name="小视频">
-            <a:hlinkClick r:id="" action="ppaction://media"/>
-          </p:cNvPr>
-          <p:cNvPicPr>
-            <a:picLocks noChangeAspect="1"/>
-          </p:cNvPicPr>
-          <p:nvPr>
-            <a:videoFile r:link="rId2"/>
-            <p:extLst>
-              <p:ext uri="{DAA4B4D4-6D71-4841-9C94-3DE7FCFB9230}">
-                <p14:media xmlns:p14="http://schemas.microsoft.com/office/powerpoint/2010/main" r:embed="rId1"/>
-              </p:ext>
-            </p:extLst>
-          </p:nvPr>
-        </p:nvPicPr>
-        <p:blipFill>
-          <a:blip r:embed="rId4"/>
-          <a:stretch>
-            <a:fillRect/>
-          </a:stretch>
-        </p:blipFill>
+      <p:sp>
+        <p:nvSpPr>
+          <p:cNvPr id="2" name="矩形 1"/>
+          <p:cNvSpPr/>
+          <p:nvPr/>
+        </p:nvSpPr>
         <p:spPr>
           <a:xfrm>
-            <a:off x="2231671" y="1609710"/>
-            <a:ext cx="6096000" cy="3429000"/>
+            <a:off x="5283384" y="2078351"/>
+            <a:ext cx="905522" cy="736846"/>
           </a:xfrm>
           <a:prstGeom prst="rect">
             <a:avLst/>
           </a:prstGeom>
         </p:spPr>
-      </p:pic>
+        <p:style>
+          <a:lnRef idx="2">
+            <a:schemeClr val="accent1">
+              <a:shade val="50000"/>
+            </a:schemeClr>
+          </a:lnRef>
+          <a:fillRef idx="1">
+            <a:schemeClr val="accent1"/>
+          </a:fillRef>
+          <a:effectRef idx="0">
+            <a:schemeClr val="accent1"/>
+          </a:effectRef>
+          <a:fontRef idx="minor">
+            <a:schemeClr val="lt1"/>
+          </a:fontRef>
+        </p:style>
+        <p:txBody>
+          <a:bodyPr rtlCol="0" anchor="ctr"/>
+          <a:lstStyle/>
+          <a:p>
+            <a:pPr algn="ctr"/>
+            <a:endParaRPr lang="zh-CN" altLang="en-US"/>
+          </a:p>
+        </p:txBody>
+      </p:sp>
     </p:spTree>
     <p:extLst>
       <p:ext uri="{BB962C8B-B14F-4D97-AF65-F5344CB8AC3E}">
@@ -539,19 +546,165 @@
                             </p:stCondLst>
                             <p:childTnLst>
                               <p:par>
-                                <p:cTn id="5" presetID="1" presetClass="mediacall" presetSubtype="0" fill="hold" nodeType="clickEffect">
+                                <p:cTn id="5" presetID="1" presetClass="entr" presetSubtype="0" fill="hold" grpId="0" nodeType="clickEffect">
                                   <p:stCondLst>
                                     <p:cond delay="0"/>
                                   </p:stCondLst>
                                   <p:childTnLst>
-                                    <p:cmd type="call" cmd="playFrom(0.0)">
+                                    <p:set>
                                       <p:cBhvr>
-                                        <p:cTn id="6" dur="1137" fill="hold"/>
+                                        <p:cTn id="6" dur="1" fill="hold">
+                                          <p:stCondLst>
+                                            <p:cond delay="0"/>
+                                          </p:stCondLst>
+                                        </p:cTn>
                                         <p:tgtEl>
-                                          <p:spTgt spid="3"/>
+                                          <p:spTgt spid="2"/>
+                                        </p:tgtEl>
+                                        <p:attrNameLst>
+                                          <p:attrName>style.visibility</p:attrName>
+                                        </p:attrNameLst>
+                                      </p:cBhvr>
+                                      <p:to>
+                                        <p:strVal val="visible"/>
+                                      </p:to>
+                                    </p:set>
+                                  </p:childTnLst>
+                                </p:cTn>
+                              </p:par>
+                            </p:childTnLst>
+                          </p:cTn>
+                        </p:par>
+                      </p:childTnLst>
+                    </p:cTn>
+                  </p:par>
+                  <p:par>
+                    <p:cTn id="7" fill="hold">
+                      <p:stCondLst>
+                        <p:cond delay="indefinite"/>
+                      </p:stCondLst>
+                      <p:childTnLst>
+                        <p:par>
+                          <p:cTn id="8" fill="hold">
+                            <p:stCondLst>
+                              <p:cond delay="0"/>
+                            </p:stCondLst>
+                            <p:childTnLst>
+                              <p:par>
+                                <p:cTn id="9" presetID="25" presetClass="emph" presetSubtype="0" fill="hold" grpId="2" nodeType="clickEffect">
+                                  <p:stCondLst>
+                                    <p:cond delay="0"/>
+                                  </p:stCondLst>
+                                  <p:childTnLst>
+                                    <p:animClr clrSpc="hsl" dir="cw">
+                                      <p:cBhvr override="childStyle">
+                                        <p:cTn id="10" dur="500" fill="hold"/>
+                                        <p:tgtEl>
+                                          <p:spTgt spid="2"/>
+                                        </p:tgtEl>
+                                        <p:attrNameLst>
+                                          <p:attrName>style.color</p:attrName>
+                                        </p:attrNameLst>
+                                      </p:cBhvr>
+                                      <p:by>
+                                        <p:hsl h="0" s="-70588" l="0"/>
+                                      </p:by>
+                                    </p:animClr>
+                                    <p:animClr clrSpc="hsl" dir="cw">
+                                      <p:cBhvr>
+                                        <p:cTn id="11" dur="500" fill="hold"/>
+                                        <p:tgtEl>
+                                          <p:spTgt spid="2"/>
+                                        </p:tgtEl>
+                                        <p:attrNameLst>
+                                          <p:attrName>fillcolor</p:attrName>
+                                        </p:attrNameLst>
+                                      </p:cBhvr>
+                                      <p:by>
+                                        <p:hsl h="0" s="-70588" l="0"/>
+                                      </p:by>
+                                    </p:animClr>
+                                    <p:animClr clrSpc="hsl" dir="cw">
+                                      <p:cBhvr>
+                                        <p:cTn id="12" dur="500" fill="hold"/>
+                                        <p:tgtEl>
+                                          <p:spTgt spid="2"/>
+                                        </p:tgtEl>
+                                        <p:attrNameLst>
+                                          <p:attrName>stroke.color</p:attrName>
+                                        </p:attrNameLst>
+                                      </p:cBhvr>
+                                      <p:by>
+                                        <p:hsl h="0" s="-70588" l="0"/>
+                                      </p:by>
+                                    </p:animClr>
+                                    <p:set>
+                                      <p:cBhvr>
+                                        <p:cTn id="13" dur="500" fill="hold"/>
+                                        <p:tgtEl>
+                                          <p:spTgt spid="2"/>
+                                        </p:tgtEl>
+                                        <p:attrNameLst>
+                                          <p:attrName>fill.type</p:attrName>
+                                        </p:attrNameLst>
+                                      </p:cBhvr>
+                                      <p:to>
+                                        <p:strVal val="solid"/>
+                                      </p:to>
+                                    </p:set>
+                                  </p:childTnLst>
+                                </p:cTn>
+                              </p:par>
+                            </p:childTnLst>
+                          </p:cTn>
+                        </p:par>
+                      </p:childTnLst>
+                    </p:cTn>
+                  </p:par>
+                  <p:par>
+                    <p:cTn id="14" fill="hold">
+                      <p:stCondLst>
+                        <p:cond delay="indefinite"/>
+                      </p:stCondLst>
+                      <p:childTnLst>
+                        <p:par>
+                          <p:cTn id="15" fill="hold">
+                            <p:stCondLst>
+                              <p:cond delay="0"/>
+                            </p:stCondLst>
+                            <p:childTnLst>
+                              <p:par>
+                                <p:cTn id="16" presetID="10" presetClass="exit" presetSubtype="0" fill="hold" grpId="1" nodeType="clickEffect">
+                                  <p:stCondLst>
+                                    <p:cond delay="0"/>
+                                  </p:stCondLst>
+                                  <p:childTnLst>
+                                    <p:animEffect transition="out" filter="fade">
+                                      <p:cBhvr>
+                                        <p:cTn id="17" dur="500"/>
+                                        <p:tgtEl>
+                                          <p:spTgt spid="2"/>
                                         </p:tgtEl>
                                       </p:cBhvr>
-                                    </p:cmd>
+                                    </p:animEffect>
+                                    <p:set>
+                                      <p:cBhvr>
+                                        <p:cTn id="18" dur="1" fill="hold">
+                                          <p:stCondLst>
+                                            <p:cond delay="499"/>
+                                          </p:stCondLst>
+                                        </p:cTn>
+                                        <p:tgtEl>
+                                          <p:spTgt spid="2"/>
+                                        </p:tgtEl>
+                                        <p:attrNameLst>
+                                          <p:attrName>style.visibility</p:attrName>
+                                        </p:attrNameLst>
+                                      </p:cBhvr>
+                                      <p:to>
+                                        <p:strVal val="hidden"/>
+                                      </p:to>
+                                    </p:set>
                                   </p:childTnLst>
                                 </p:cTn>
                               </p:par>
@@ -578,22 +731,15 @@
                 </p:cond>
               </p:nextCondLst>
             </p:seq>
-            <p:video>
-              <p:cMediaNode vol="80000">
-                <p:cTn id="7" fill="hold" display="0">
-                  <p:stCondLst>
-                    <p:cond delay="indefinite"/>
-                  </p:stCondLst>
-                </p:cTn>
-                <p:tgtEl>
-                  <p:spTgt spid="3"/>
-                </p:tgtEl>
-              </p:cMediaNode>
-            </p:video>
           </p:childTnLst>
         </p:cTn>
       </p:par>
     </p:tnLst>
+    <p:bldLst>
+      <p:bldP spid="2" grpId="0" animBg="1"/>
+      <p:bldP spid="2" grpId="1" animBg="1"/>
+      <p:bldP spid="2" grpId="2" animBg="1"/>
+    </p:bldLst>
   </p:timing>
 </p:sld>
 </file>

--- a/PptxDemo/Test.pptx
+++ b/PptxDemo/Test.pptx
@@ -546,7 +546,7 @@
                             </p:stCondLst>
                             <p:childTnLst>
                               <p:par>
-                                <p:cTn id="5" presetID="1" presetClass="entr" presetSubtype="0" fill="hold" grpId="0" nodeType="clickEffect">
+                                <p:cTn id="5" presetID="2" presetClass="entr" presetSubtype="4" fill="hold" grpId="0" nodeType="clickEffect">
                                   <p:stCondLst>
                                     <p:cond delay="0"/>
                                   </p:stCondLst>
@@ -569,142 +569,52 @@
                                         <p:strVal val="visible"/>
                                       </p:to>
                                     </p:set>
-                                  </p:childTnLst>
-                                </p:cTn>
-                              </p:par>
-                            </p:childTnLst>
-                          </p:cTn>
-                        </p:par>
-                      </p:childTnLst>
-                    </p:cTn>
-                  </p:par>
-                  <p:par>
-                    <p:cTn id="7" fill="hold">
-                      <p:stCondLst>
-                        <p:cond delay="indefinite"/>
-                      </p:stCondLst>
-                      <p:childTnLst>
-                        <p:par>
-                          <p:cTn id="8" fill="hold">
-                            <p:stCondLst>
-                              <p:cond delay="0"/>
-                            </p:stCondLst>
-                            <p:childTnLst>
-                              <p:par>
-                                <p:cTn id="9" presetID="25" presetClass="emph" presetSubtype="0" fill="hold" grpId="2" nodeType="clickEffect">
-                                  <p:stCondLst>
-                                    <p:cond delay="0"/>
-                                  </p:stCondLst>
-                                  <p:childTnLst>
-                                    <p:animClr clrSpc="hsl" dir="cw">
-                                      <p:cBhvr override="childStyle">
-                                        <p:cTn id="10" dur="500" fill="hold"/>
+                                    <p:anim calcmode="lin" valueType="num">
+                                      <p:cBhvr additive="base">
+                                        <p:cTn id="7" dur="500" fill="hold"/>
                                         <p:tgtEl>
                                           <p:spTgt spid="2"/>
                                         </p:tgtEl>
                                         <p:attrNameLst>
-                                          <p:attrName>style.color</p:attrName>
+                                          <p:attrName>ppt_x</p:attrName>
                                         </p:attrNameLst>
                                       </p:cBhvr>
-                                      <p:by>
-                                        <p:hsl h="0" s="-70588" l="0"/>
-                                      </p:by>
-                                    </p:animClr>
-                                    <p:animClr clrSpc="hsl" dir="cw">
-                                      <p:cBhvr>
-                                        <p:cTn id="11" dur="500" fill="hold"/>
+                                      <p:tavLst>
+                                        <p:tav tm="0">
+                                          <p:val>
+                                            <p:strVal val="#ppt_x"/>
+                                          </p:val>
+                                        </p:tav>
+                                        <p:tav tm="100000">
+                                          <p:val>
+                                            <p:strVal val="#ppt_x"/>
+                                          </p:val>
+                                        </p:tav>
+                                      </p:tavLst>
+                                    </p:anim>
+                                    <p:anim calcmode="lin" valueType="num">
+                                      <p:cBhvr additive="base">
+                                        <p:cTn id="8" dur="500" fill="hold"/>
                                         <p:tgtEl>
                                           <p:spTgt spid="2"/>
                                         </p:tgtEl>
                                         <p:attrNameLst>
-                                          <p:attrName>fillcolor</p:attrName>
+                                          <p:attrName>ppt_y</p:attrName>
                                         </p:attrNameLst>
                                       </p:cBhvr>
-                                      <p:by>
-                                        <p:hsl h="0" s="-70588" l="0"/>
-                                      </p:by>
-                                    </p:animClr>
-                                    <p:animClr clrSpc="hsl" dir="cw">
-                                      <p:cBhvr>
-                                        <p:cTn id="12" dur="500" fill="hold"/>
-                                        <p:tgtEl>
-                                          <p:spTgt spid="2"/>
-                                        </p:tgtEl>
-                                        <p:attrNameLst>
-                                          <p:attrName>stroke.color</p:attrName>
-                                        </p:attrNameLst>
-                                      </p:cBhvr>
-                                      <p:by>
-                                        <p:hsl h="0" s="-70588" l="0"/>
-                                      </p:by>
-                                    </p:animClr>
-                                    <p:set>
-                                      <p:cBhvr>
-                                        <p:cTn id="13" dur="500" fill="hold"/>
-                                        <p:tgtEl>
-                                          <p:spTgt spid="2"/>
-                                        </p:tgtEl>
-                                        <p:attrNameLst>
-                                          <p:attrName>fill.type</p:attrName>
-                                        </p:attrNameLst>
-                                      </p:cBhvr>
-                                      <p:to>
-                                        <p:strVal val="solid"/>
-                                      </p:to>
-                                    </p:set>
-                                  </p:childTnLst>
-                                </p:cTn>
-                              </p:par>
-                            </p:childTnLst>
-                          </p:cTn>
-                        </p:par>
-                      </p:childTnLst>
-                    </p:cTn>
-                  </p:par>
-                  <p:par>
-                    <p:cTn id="14" fill="hold">
-                      <p:stCondLst>
-                        <p:cond delay="indefinite"/>
-                      </p:stCondLst>
-                      <p:childTnLst>
-                        <p:par>
-                          <p:cTn id="15" fill="hold">
-                            <p:stCondLst>
-                              <p:cond delay="0"/>
-                            </p:stCondLst>
-                            <p:childTnLst>
-                              <p:par>
-                                <p:cTn id="16" presetID="10" presetClass="exit" presetSubtype="0" fill="hold" grpId="1" nodeType="clickEffect">
-                                  <p:stCondLst>
-                                    <p:cond delay="0"/>
-                                  </p:stCondLst>
-                                  <p:childTnLst>
-                                    <p:animEffect transition="out" filter="fade">
-                                      <p:cBhvr>
-                                        <p:cTn id="17" dur="500"/>
-                                        <p:tgtEl>
-                                          <p:spTgt spid="2"/>
-                                        </p:tgtEl>
-                                      </p:cBhvr>
-                                    </p:animEffect>
-                                    <p:set>
-                                      <p:cBhvr>
-                                        <p:cTn id="18" dur="1" fill="hold">
-                                          <p:stCondLst>
-                                            <p:cond delay="499"/>
-                                          </p:stCondLst>
-                                        </p:cTn>
-                                        <p:tgtEl>
-                                          <p:spTgt spid="2"/>
-                                        </p:tgtEl>
-                                        <p:attrNameLst>
-                                          <p:attrName>style.visibility</p:attrName>
-                                        </p:attrNameLst>
-                                      </p:cBhvr>
-                                      <p:to>
-                                        <p:strVal val="hidden"/>
-                                      </p:to>
-                                    </p:set>
+                                      <p:tavLst>
+                                        <p:tav tm="0">
+                                          <p:val>
+                                            <p:strVal val="1+#ppt_h/2"/>
+                                          </p:val>
+                                        </p:tav>
+                                        <p:tav tm="100000">
+                                          <p:val>
+                                            <p:strVal val="#ppt_y"/>
+                                          </p:val>
+                                        </p:tav>
+                                      </p:tavLst>
+                                    </p:anim>
                                   </p:childTnLst>
                                 </p:cTn>
                               </p:par>
@@ -737,8 +647,6 @@
     </p:tnLst>
     <p:bldLst>
       <p:bldP spid="2" grpId="0" animBg="1"/>
-      <p:bldP spid="2" grpId="1" animBg="1"/>
-      <p:bldP spid="2" grpId="2" animBg="1"/>
     </p:bldLst>
   </p:timing>
 </p:sld>

--- a/PptxDemo/Test.pptx
+++ b/PptxDemo/Test.pptx
@@ -546,7 +546,7 @@
                             </p:stCondLst>
                             <p:childTnLst>
                               <p:par>
-                                <p:cTn id="5" presetID="2" presetClass="entr" presetSubtype="4" fill="hold" grpId="0" nodeType="clickEffect">
+                                <p:cTn id="5" presetID="1" presetClass="entr" presetSubtype="0" fill="hold" grpId="0" nodeType="clickEffect">
                                   <p:stCondLst>
                                     <p:cond delay="0"/>
                                   </p:stCondLst>
@@ -569,52 +569,124 @@
                                         <p:strVal val="visible"/>
                                       </p:to>
                                     </p:set>
-                                    <p:anim calcmode="lin" valueType="num">
-                                      <p:cBhvr additive="base">
-                                        <p:cTn id="7" dur="500" fill="hold"/>
+                                  </p:childTnLst>
+                                </p:cTn>
+                              </p:par>
+                            </p:childTnLst>
+                          </p:cTn>
+                        </p:par>
+                        <p:par>
+                          <p:cTn id="7" fill="hold">
+                            <p:stCondLst>
+                              <p:cond delay="0"/>
+                            </p:stCondLst>
+                            <p:childTnLst>
+                              <p:par>
+                                <p:cTn id="8" presetID="25" presetClass="emph" presetSubtype="0" fill="hold" grpId="2" nodeType="afterEffect">
+                                  <p:stCondLst>
+                                    <p:cond delay="0"/>
+                                  </p:stCondLst>
+                                  <p:childTnLst>
+                                    <p:animClr clrSpc="hsl" dir="cw">
+                                      <p:cBhvr override="childStyle">
+                                        <p:cTn id="9" dur="500" fill="hold"/>
                                         <p:tgtEl>
                                           <p:spTgt spid="2"/>
                                         </p:tgtEl>
                                         <p:attrNameLst>
-                                          <p:attrName>ppt_x</p:attrName>
+                                          <p:attrName>style.color</p:attrName>
                                         </p:attrNameLst>
                                       </p:cBhvr>
-                                      <p:tavLst>
-                                        <p:tav tm="0">
-                                          <p:val>
-                                            <p:strVal val="#ppt_x"/>
-                                          </p:val>
-                                        </p:tav>
-                                        <p:tav tm="100000">
-                                          <p:val>
-                                            <p:strVal val="#ppt_x"/>
-                                          </p:val>
-                                        </p:tav>
-                                      </p:tavLst>
-                                    </p:anim>
-                                    <p:anim calcmode="lin" valueType="num">
-                                      <p:cBhvr additive="base">
-                                        <p:cTn id="8" dur="500" fill="hold"/>
+                                      <p:by>
+                                        <p:hsl h="0" s="-70588" l="0"/>
+                                      </p:by>
+                                    </p:animClr>
+                                    <p:animClr clrSpc="hsl" dir="cw">
+                                      <p:cBhvr>
+                                        <p:cTn id="10" dur="500" fill="hold"/>
                                         <p:tgtEl>
                                           <p:spTgt spid="2"/>
                                         </p:tgtEl>
                                         <p:attrNameLst>
-                                          <p:attrName>ppt_y</p:attrName>
+                                          <p:attrName>fillcolor</p:attrName>
                                         </p:attrNameLst>
                                       </p:cBhvr>
-                                      <p:tavLst>
-                                        <p:tav tm="0">
-                                          <p:val>
-                                            <p:strVal val="1+#ppt_h/2"/>
-                                          </p:val>
-                                        </p:tav>
-                                        <p:tav tm="100000">
-                                          <p:val>
-                                            <p:strVal val="#ppt_y"/>
-                                          </p:val>
-                                        </p:tav>
-                                      </p:tavLst>
-                                    </p:anim>
+                                      <p:by>
+                                        <p:hsl h="0" s="-70588" l="0"/>
+                                      </p:by>
+                                    </p:animClr>
+                                    <p:animClr clrSpc="hsl" dir="cw">
+                                      <p:cBhvr>
+                                        <p:cTn id="11" dur="500" fill="hold"/>
+                                        <p:tgtEl>
+                                          <p:spTgt spid="2"/>
+                                        </p:tgtEl>
+                                        <p:attrNameLst>
+                                          <p:attrName>stroke.color</p:attrName>
+                                        </p:attrNameLst>
+                                      </p:cBhvr>
+                                      <p:by>
+                                        <p:hsl h="0" s="-70588" l="0"/>
+                                      </p:by>
+                                    </p:animClr>
+                                    <p:set>
+                                      <p:cBhvr>
+                                        <p:cTn id="12" dur="500" fill="hold"/>
+                                        <p:tgtEl>
+                                          <p:spTgt spid="2"/>
+                                        </p:tgtEl>
+                                        <p:attrNameLst>
+                                          <p:attrName>fill.type</p:attrName>
+                                        </p:attrNameLst>
+                                      </p:cBhvr>
+                                      <p:to>
+                                        <p:strVal val="solid"/>
+                                      </p:to>
+                                    </p:set>
+                                  </p:childTnLst>
+                                </p:cTn>
+                              </p:par>
+                            </p:childTnLst>
+                          </p:cTn>
+                        </p:par>
+                        <p:par>
+                          <p:cTn id="13" fill="hold">
+                            <p:stCondLst>
+                              <p:cond delay="500"/>
+                            </p:stCondLst>
+                            <p:childTnLst>
+                              <p:par>
+                                <p:cTn id="14" presetID="10" presetClass="exit" presetSubtype="0" fill="hold" grpId="1" nodeType="afterEffect">
+                                  <p:stCondLst>
+                                    <p:cond delay="0"/>
+                                  </p:stCondLst>
+                                  <p:childTnLst>
+                                    <p:animEffect transition="out" filter="fade">
+                                      <p:cBhvr>
+                                        <p:cTn id="15" dur="500"/>
+                                        <p:tgtEl>
+                                          <p:spTgt spid="2"/>
+                                        </p:tgtEl>
+                                      </p:cBhvr>
+                                    </p:animEffect>
+                                    <p:set>
+                                      <p:cBhvr>
+                                        <p:cTn id="16" dur="1" fill="hold">
+                                          <p:stCondLst>
+                                            <p:cond delay="499"/>
+                                          </p:stCondLst>
+                                        </p:cTn>
+                                        <p:tgtEl>
+                                          <p:spTgt spid="2"/>
+                                        </p:tgtEl>
+                                        <p:attrNameLst>
+                                          <p:attrName>style.visibility</p:attrName>
+                                        </p:attrNameLst>
+                                      </p:cBhvr>
+                                      <p:to>
+                                        <p:strVal val="hidden"/>
+                                      </p:to>
+                                    </p:set>
                                   </p:childTnLst>
                                 </p:cTn>
                               </p:par>
@@ -647,6 +719,8 @@
     </p:tnLst>
     <p:bldLst>
       <p:bldP spid="2" grpId="0" animBg="1"/>
+      <p:bldP spid="2" grpId="1" animBg="1"/>
+      <p:bldP spid="2" grpId="2" animBg="1"/>
     </p:bldLst>
   </p:timing>
 </p:sld>

--- a/PptxDemo/Test.pptx
+++ b/PptxDemo/Test.pptx
@@ -546,59 +546,35 @@
                             </p:stCondLst>
                             <p:childTnLst>
                               <p:par>
-                                <p:cTn id="5" presetID="1" presetClass="entr" presetSubtype="0" fill="hold" grpId="0" nodeType="clickEffect">
+                                <p:cTn id="5" presetID="42" presetClass="path" presetSubtype="0" accel="50000" decel="50000" fill="hold" grpId="0" nodeType="clickEffect">
                                   <p:stCondLst>
                                     <p:cond delay="0"/>
                                   </p:stCondLst>
                                   <p:childTnLst>
-                                    <p:set>
+                                    <p:animMotion origin="layout" path="M 0 0 L 0 0.25 E" pathEditMode="relative" ptsTypes="">
                                       <p:cBhvr>
-                                        <p:cTn id="6" dur="1" fill="hold">
-                                          <p:stCondLst>
-                                            <p:cond delay="0"/>
-                                          </p:stCondLst>
-                                        </p:cTn>
+                                        <p:cTn id="6" dur="1000" fill="hold"/>
                                         <p:tgtEl>
                                           <p:spTgt spid="2"/>
                                         </p:tgtEl>
                                         <p:attrNameLst>
-                                          <p:attrName>style.visibility</p:attrName>
+                                          <p:attrName>ppt_x</p:attrName>
+                                          <p:attrName>ppt_y</p:attrName>
                                         </p:attrNameLst>
                                       </p:cBhvr>
-                                      <p:to>
-                                        <p:strVal val="visible"/>
-                                      </p:to>
-                                    </p:set>
+                                    </p:animMotion>
                                   </p:childTnLst>
                                 </p:cTn>
                               </p:par>
-                            </p:childTnLst>
-                          </p:cTn>
-                        </p:par>
-                      </p:childTnLst>
-                    </p:cTn>
-                  </p:par>
-                  <p:par>
-                    <p:cTn id="7" fill="hold">
-                      <p:stCondLst>
-                        <p:cond delay="indefinite"/>
-                      </p:stCondLst>
-                      <p:childTnLst>
-                        <p:par>
-                          <p:cTn id="8" fill="hold">
-                            <p:stCondLst>
-                              <p:cond delay="0"/>
-                            </p:stCondLst>
-                            <p:childTnLst>
                               <p:par>
-                                <p:cTn id="9" presetID="25" presetClass="emph" presetSubtype="0" fill="hold" grpId="2" nodeType="clickEffect">
+                                <p:cTn id="7" presetID="25" presetClass="emph" presetSubtype="0" fill="hold" grpId="2" nodeType="withEffect">
                                   <p:stCondLst>
                                     <p:cond delay="0"/>
                                   </p:stCondLst>
                                   <p:childTnLst>
                                     <p:animClr clrSpc="hsl" dir="cw">
                                       <p:cBhvr override="childStyle">
-                                        <p:cTn id="10" dur="500" fill="hold"/>
+                                        <p:cTn id="8" dur="1000" fill="hold"/>
                                         <p:tgtEl>
                                           <p:spTgt spid="2"/>
                                         </p:tgtEl>
@@ -612,7 +588,7 @@
                                     </p:animClr>
                                     <p:animClr clrSpc="hsl" dir="cw">
                                       <p:cBhvr>
-                                        <p:cTn id="11" dur="500" fill="hold"/>
+                                        <p:cTn id="9" dur="1000" fill="hold"/>
                                         <p:tgtEl>
                                           <p:spTgt spid="2"/>
                                         </p:tgtEl>
@@ -626,7 +602,7 @@
                                     </p:animClr>
                                     <p:animClr clrSpc="hsl" dir="cw">
                                       <p:cBhvr>
-                                        <p:cTn id="12" dur="500" fill="hold"/>
+                                        <p:cTn id="10" dur="1000" fill="hold"/>
                                         <p:tgtEl>
                                           <p:spTgt spid="2"/>
                                         </p:tgtEl>
@@ -640,7 +616,7 @@
                                     </p:animClr>
                                     <p:set>
                                       <p:cBhvr>
-                                        <p:cTn id="13" dur="500" fill="hold"/>
+                                        <p:cTn id="11" dur="1000" fill="hold"/>
                                         <p:tgtEl>
                                           <p:spTgt spid="2"/>
                                         </p:tgtEl>
@@ -655,56 +631,23 @@
                                   </p:childTnLst>
                                 </p:cTn>
                               </p:par>
-                            </p:childTnLst>
-                          </p:cTn>
-                        </p:par>
-                      </p:childTnLst>
-                    </p:cTn>
-                  </p:par>
-                  <p:par>
-                    <p:cTn id="14" fill="hold">
-                      <p:stCondLst>
-                        <p:cond delay="indefinite"/>
-                      </p:stCondLst>
-                      <p:childTnLst>
-                        <p:par>
-                          <p:cTn id="15" fill="hold">
-                            <p:stCondLst>
-                              <p:cond delay="0"/>
-                            </p:stCondLst>
-                            <p:childTnLst>
                               <p:par>
-                                <p:cTn id="16" presetID="10" presetClass="exit" presetSubtype="0" fill="hold" grpId="1" nodeType="clickEffect">
+                                <p:cTn id="12" presetID="8" presetClass="emph" presetSubtype="0" fill="hold" grpId="1" nodeType="withEffect">
                                   <p:stCondLst>
                                     <p:cond delay="0"/>
                                   </p:stCondLst>
                                   <p:childTnLst>
-                                    <p:animEffect transition="out" filter="fade">
+                                    <p:animRot by="21600000">
                                       <p:cBhvr>
-                                        <p:cTn id="17" dur="500"/>
-                                        <p:tgtEl>
-                                          <p:spTgt spid="2"/>
-                                        </p:tgtEl>
-                                      </p:cBhvr>
-                                    </p:animEffect>
-                                    <p:set>
-                                      <p:cBhvr>
-                                        <p:cTn id="18" dur="1" fill="hold">
-                                          <p:stCondLst>
-                                            <p:cond delay="499"/>
-                                          </p:stCondLst>
-                                        </p:cTn>
+                                        <p:cTn id="13" dur="1000" fill="hold"/>
                                         <p:tgtEl>
                                           <p:spTgt spid="2"/>
                                         </p:tgtEl>
                                         <p:attrNameLst>
-                                          <p:attrName>style.visibility</p:attrName>
+                                          <p:attrName>r</p:attrName>
                                         </p:attrNameLst>
                                       </p:cBhvr>
-                                      <p:to>
-                                        <p:strVal val="hidden"/>
-                                      </p:to>
-                                    </p:set>
+                                    </p:animRot>
                                   </p:childTnLst>
                                 </p:cTn>
                               </p:par>

--- a/PptxDemo/Test.pptx
+++ b/PptxDemo/Test.pptx
@@ -192,7 +192,7 @@
             <a:ext cx="1440160" cy="1008112"/>
           </a:xfrm>
           <a:prstGeom prst="rect"/>
-          <a:ln w="9525">
+          <a:ln w="0">
             <a:solidFill>
               <a:srgbClr val="565656"/>
             </a:solidFill>

--- a/PptxDemo/Test.pptx
+++ b/PptxDemo/Test.pptx
@@ -192,7 +192,7 @@
             <a:ext cx="1440160" cy="1008112"/>
           </a:xfrm>
           <a:prstGeom prst="rect"/>
-          <a:ln w="0">
+          <a:ln>
             <a:solidFill>
               <a:srgbClr val="565656"/>
             </a:solidFill>

--- a/PptxDemo/Test.pptx
+++ b/PptxDemo/Test.pptx
@@ -180,25 +180,60 @@
           <a:chExt cx="0" cy="0"/>
         </a:xfrm>
       </p:grpSpPr>
-      <p:sp>
-        <p:nvSpPr>
-          <p:cNvPr id="2" name="Rectangle 1"/>
-          <p:cNvSpPr/>
+      <p:grpSp>
+        <p:nvGrpSpPr>
+          <p:cNvPr id="4" name="Group 3"/>
+          <p:cNvGrpSpPr/>
           <p:nvPr/>
-        </p:nvSpPr>
-        <p:spPr>
+        </p:nvGrpSpPr>
+        <p:grpSpPr>
           <a:xfrm>
             <a:off x="5220072" y="1484784"/>
-            <a:ext cx="1440160" cy="1008112"/>
+            <a:ext cx="3843995" cy="1215502"/>
+            <a:chOff x="5220072" y="1484784"/>
+            <a:chExt cx="3843995" cy="1215502"/>
           </a:xfrm>
-          <a:prstGeom prst="rect"/>
-          <a:ln>
+          <a:solidFill>
+            <a:srgbClr val="565656"/>
+          </a:solidFill>
+        </p:grpSpPr>
+        <p:sp>
+          <p:nvSpPr>
+            <p:cNvPr id="2" name="Rectangle 1"/>
+            <p:cNvSpPr/>
+            <p:nvPr/>
+          </p:nvSpPr>
+          <p:spPr>
+            <a:xfrm>
+              <a:off x="5220072" y="1484784"/>
+              <a:ext cx="1440160" cy="1008112"/>
+            </a:xfrm>
+            <a:prstGeom prst="rect">
+              <a:avLst/>
+            </a:prstGeom>
+            <a:grpFill/>
+          </p:spPr>
+        </p:sp>
+        <p:sp>
+          <p:nvSpPr>
+            <p:cNvPr id="3" name="Rectangle 2"/>
+            <p:cNvSpPr/>
+            <p:nvPr/>
+          </p:nvSpPr>
+          <p:spPr>
+            <a:xfrm>
+              <a:off x="7623907" y="1692174"/>
+              <a:ext cx="1440160" cy="1008112"/>
+            </a:xfrm>
+            <a:prstGeom prst="rect">
+              <a:avLst/>
+            </a:prstGeom>
             <a:solidFill>
-              <a:srgbClr val="565656"/>
+              <a:srgbClr val="F6F656"/>
             </a:solidFill>
-          </a:ln>
-        </p:spPr>
-      </p:sp>
+          </p:spPr>
+        </p:sp>
+      </p:grpSp>
     </p:spTree>
   </p:cSld>
   <p:clrMapOvr>

--- a/PptxDemo/Test.pptx
+++ b/PptxDemo/Test.pptx
@@ -104,6 +104,11 @@
       </a:defRPr>
     </a:lvl9pPr>
   </p:defaultTextStyle>
+  <p:extLst>
+    <p:ext uri="{EFAFB233-063F-42B5-8137-9DF3F51BA10A}">
+      <p15:sldGuideLst xmlns:p15="http://schemas.microsoft.com/office/powerpoint/2012/main"/>
+    </p:ext>
+  </p:extLst>
 </p:presentation>
 </file>
 
@@ -160,6 +165,286 @@
   <p:sldLayoutIdLst>
     <p:sldLayoutId id="2147483649" r:id="rId1"/>
   </p:sldLayoutIdLst>
+  <p:txStyles>
+    <p:titleStyle>
+      <a:lvl1pPr algn="l" defTabSz="914400" rtl="0" eaLnBrk="1" latinLnBrk="0" hangingPunct="1">
+        <a:lnSpc>
+          <a:spcPct val="90000"/>
+        </a:lnSpc>
+        <a:spcBef>
+          <a:spcPct val="0"/>
+        </a:spcBef>
+        <a:buNone/>
+        <a:defRPr sz="4400" kern="1200">
+          <a:solidFill>
+            <a:schemeClr val="tx1"/>
+          </a:solidFill>
+          <a:latin typeface="+mj-lt"/>
+          <a:ea typeface="+mj-ea"/>
+          <a:cs typeface="+mj-cs"/>
+        </a:defRPr>
+      </a:lvl1pPr>
+    </p:titleStyle>
+    <p:bodyStyle>
+      <a:lvl1pPr marL="228600" indent="-228600" algn="l" defTabSz="914400" rtl="0" eaLnBrk="1" latinLnBrk="0" hangingPunct="1">
+        <a:lnSpc>
+          <a:spcPct val="90000"/>
+        </a:lnSpc>
+        <a:spcBef>
+          <a:spcPts val="1000"/>
+        </a:spcBef>
+        <a:buFont typeface="Arial" panose="020B0604020202020204" pitchFamily="34" charset="0"/>
+        <a:buChar char="•"/>
+        <a:defRPr sz="2800" kern="1200">
+          <a:solidFill>
+            <a:schemeClr val="tx1"/>
+          </a:solidFill>
+          <a:latin typeface="+mn-lt"/>
+          <a:ea typeface="+mn-ea"/>
+          <a:cs typeface="+mn-cs"/>
+        </a:defRPr>
+      </a:lvl1pPr>
+      <a:lvl2pPr marL="685800" indent="-228600" algn="l" defTabSz="914400" rtl="0" eaLnBrk="1" latinLnBrk="0" hangingPunct="1">
+        <a:lnSpc>
+          <a:spcPct val="90000"/>
+        </a:lnSpc>
+        <a:spcBef>
+          <a:spcPts val="500"/>
+        </a:spcBef>
+        <a:buFont typeface="Arial" panose="020B0604020202020204" pitchFamily="34" charset="0"/>
+        <a:buChar char="•"/>
+        <a:defRPr sz="2400" kern="1200">
+          <a:solidFill>
+            <a:schemeClr val="tx1"/>
+          </a:solidFill>
+          <a:latin typeface="+mn-lt"/>
+          <a:ea typeface="+mn-ea"/>
+          <a:cs typeface="+mn-cs"/>
+        </a:defRPr>
+      </a:lvl2pPr>
+      <a:lvl3pPr marL="1143000" indent="-228600" algn="l" defTabSz="914400" rtl="0" eaLnBrk="1" latinLnBrk="0" hangingPunct="1">
+        <a:lnSpc>
+          <a:spcPct val="90000"/>
+        </a:lnSpc>
+        <a:spcBef>
+          <a:spcPts val="500"/>
+        </a:spcBef>
+        <a:buFont typeface="Arial" panose="020B0604020202020204" pitchFamily="34" charset="0"/>
+        <a:buChar char="•"/>
+        <a:defRPr sz="2000" kern="1200">
+          <a:solidFill>
+            <a:schemeClr val="tx1"/>
+          </a:solidFill>
+          <a:latin typeface="+mn-lt"/>
+          <a:ea typeface="+mn-ea"/>
+          <a:cs typeface="+mn-cs"/>
+        </a:defRPr>
+      </a:lvl3pPr>
+      <a:lvl4pPr marL="1600200" indent="-228600" algn="l" defTabSz="914400" rtl="0" eaLnBrk="1" latinLnBrk="0" hangingPunct="1">
+        <a:lnSpc>
+          <a:spcPct val="90000"/>
+        </a:lnSpc>
+        <a:spcBef>
+          <a:spcPts val="500"/>
+        </a:spcBef>
+        <a:buFont typeface="Arial" panose="020B0604020202020204" pitchFamily="34" charset="0"/>
+        <a:buChar char="•"/>
+        <a:defRPr sz="1800" kern="1200">
+          <a:solidFill>
+            <a:schemeClr val="tx1"/>
+          </a:solidFill>
+          <a:latin typeface="+mn-lt"/>
+          <a:ea typeface="+mn-ea"/>
+          <a:cs typeface="+mn-cs"/>
+        </a:defRPr>
+      </a:lvl4pPr>
+      <a:lvl5pPr marL="2057400" indent="-228600" algn="l" defTabSz="914400" rtl="0" eaLnBrk="1" latinLnBrk="0" hangingPunct="1">
+        <a:lnSpc>
+          <a:spcPct val="90000"/>
+        </a:lnSpc>
+        <a:spcBef>
+          <a:spcPts val="500"/>
+        </a:spcBef>
+        <a:buFont typeface="Arial" panose="020B0604020202020204" pitchFamily="34" charset="0"/>
+        <a:buChar char="•"/>
+        <a:defRPr sz="1800" kern="1200">
+          <a:solidFill>
+            <a:schemeClr val="tx1"/>
+          </a:solidFill>
+          <a:latin typeface="+mn-lt"/>
+          <a:ea typeface="+mn-ea"/>
+          <a:cs typeface="+mn-cs"/>
+        </a:defRPr>
+      </a:lvl5pPr>
+      <a:lvl6pPr marL="2514600" indent="-228600" algn="l" defTabSz="914400" rtl="0" eaLnBrk="1" latinLnBrk="0" hangingPunct="1">
+        <a:lnSpc>
+          <a:spcPct val="90000"/>
+        </a:lnSpc>
+        <a:spcBef>
+          <a:spcPts val="500"/>
+        </a:spcBef>
+        <a:buFont typeface="Arial" panose="020B0604020202020204" pitchFamily="34" charset="0"/>
+        <a:buChar char="•"/>
+        <a:defRPr sz="1800" kern="1200">
+          <a:solidFill>
+            <a:schemeClr val="tx1"/>
+          </a:solidFill>
+          <a:latin typeface="+mn-lt"/>
+          <a:ea typeface="+mn-ea"/>
+          <a:cs typeface="+mn-cs"/>
+        </a:defRPr>
+      </a:lvl6pPr>
+      <a:lvl7pPr marL="2971800" indent="-228600" algn="l" defTabSz="914400" rtl="0" eaLnBrk="1" latinLnBrk="0" hangingPunct="1">
+        <a:lnSpc>
+          <a:spcPct val="90000"/>
+        </a:lnSpc>
+        <a:spcBef>
+          <a:spcPts val="500"/>
+        </a:spcBef>
+        <a:buFont typeface="Arial" panose="020B0604020202020204" pitchFamily="34" charset="0"/>
+        <a:buChar char="•"/>
+        <a:defRPr sz="1800" kern="1200">
+          <a:solidFill>
+            <a:schemeClr val="tx1"/>
+          </a:solidFill>
+          <a:latin typeface="+mn-lt"/>
+          <a:ea typeface="+mn-ea"/>
+          <a:cs typeface="+mn-cs"/>
+        </a:defRPr>
+      </a:lvl7pPr>
+      <a:lvl8pPr marL="3429000" indent="-228600" algn="l" defTabSz="914400" rtl="0" eaLnBrk="1" latinLnBrk="0" hangingPunct="1">
+        <a:lnSpc>
+          <a:spcPct val="90000"/>
+        </a:lnSpc>
+        <a:spcBef>
+          <a:spcPts val="500"/>
+        </a:spcBef>
+        <a:buFont typeface="Arial" panose="020B0604020202020204" pitchFamily="34" charset="0"/>
+        <a:buChar char="•"/>
+        <a:defRPr sz="1800" kern="1200">
+          <a:solidFill>
+            <a:schemeClr val="tx1"/>
+          </a:solidFill>
+          <a:latin typeface="+mn-lt"/>
+          <a:ea typeface="+mn-ea"/>
+          <a:cs typeface="+mn-cs"/>
+        </a:defRPr>
+      </a:lvl8pPr>
+      <a:lvl9pPr marL="3886200" indent="-228600" algn="l" defTabSz="914400" rtl="0" eaLnBrk="1" latinLnBrk="0" hangingPunct="1">
+        <a:lnSpc>
+          <a:spcPct val="90000"/>
+        </a:lnSpc>
+        <a:spcBef>
+          <a:spcPts val="500"/>
+        </a:spcBef>
+        <a:buFont typeface="Arial" panose="020B0604020202020204" pitchFamily="34" charset="0"/>
+        <a:buChar char="•"/>
+        <a:defRPr sz="1800" kern="1200">
+          <a:solidFill>
+            <a:schemeClr val="tx1"/>
+          </a:solidFill>
+          <a:latin typeface="+mn-lt"/>
+          <a:ea typeface="+mn-ea"/>
+          <a:cs typeface="+mn-cs"/>
+        </a:defRPr>
+      </a:lvl9pPr>
+    </p:bodyStyle>
+    <p:otherStyle>
+      <a:defPPr>
+        <a:defRPr lang="zh-CN"/>
+      </a:defPPr>
+      <a:lvl1pPr marL="0" algn="l" defTabSz="914400" rtl="0" eaLnBrk="1" latinLnBrk="0" hangingPunct="1">
+        <a:defRPr sz="1800" kern="1200">
+          <a:solidFill>
+            <a:schemeClr val="tx1"/>
+          </a:solidFill>
+          <a:latin typeface="+mn-lt"/>
+          <a:ea typeface="+mn-ea"/>
+          <a:cs typeface="+mn-cs"/>
+        </a:defRPr>
+      </a:lvl1pPr>
+      <a:lvl2pPr marL="457200" algn="l" defTabSz="914400" rtl="0" eaLnBrk="1" latinLnBrk="0" hangingPunct="1">
+        <a:defRPr sz="1800" kern="1200">
+          <a:solidFill>
+            <a:schemeClr val="tx1"/>
+          </a:solidFill>
+          <a:latin typeface="+mn-lt"/>
+          <a:ea typeface="+mn-ea"/>
+          <a:cs typeface="+mn-cs"/>
+        </a:defRPr>
+      </a:lvl2pPr>
+      <a:lvl3pPr marL="914400" algn="l" defTabSz="914400" rtl="0" eaLnBrk="1" latinLnBrk="0" hangingPunct="1">
+        <a:defRPr sz="1800" kern="1200">
+          <a:solidFill>
+            <a:schemeClr val="tx1"/>
+          </a:solidFill>
+          <a:latin typeface="+mn-lt"/>
+          <a:ea typeface="+mn-ea"/>
+          <a:cs typeface="+mn-cs"/>
+        </a:defRPr>
+      </a:lvl3pPr>
+      <a:lvl4pPr marL="1371600" algn="l" defTabSz="914400" rtl="0" eaLnBrk="1" latinLnBrk="0" hangingPunct="1">
+        <a:defRPr sz="1800" kern="1200">
+          <a:solidFill>
+            <a:schemeClr val="tx1"/>
+          </a:solidFill>
+          <a:latin typeface="+mn-lt"/>
+          <a:ea typeface="+mn-ea"/>
+          <a:cs typeface="+mn-cs"/>
+        </a:defRPr>
+      </a:lvl4pPr>
+      <a:lvl5pPr marL="1828800" algn="l" defTabSz="914400" rtl="0" eaLnBrk="1" latinLnBrk="0" hangingPunct="1">
+        <a:defRPr sz="1800" kern="1200">
+          <a:solidFill>
+            <a:schemeClr val="tx1"/>
+          </a:solidFill>
+          <a:latin typeface="+mn-lt"/>
+          <a:ea typeface="+mn-ea"/>
+          <a:cs typeface="+mn-cs"/>
+        </a:defRPr>
+      </a:lvl5pPr>
+      <a:lvl6pPr marL="2286000" algn="l" defTabSz="914400" rtl="0" eaLnBrk="1" latinLnBrk="0" hangingPunct="1">
+        <a:defRPr sz="1800" kern="1200">
+          <a:solidFill>
+            <a:schemeClr val="tx1"/>
+          </a:solidFill>
+          <a:latin typeface="+mn-lt"/>
+          <a:ea typeface="+mn-ea"/>
+          <a:cs typeface="+mn-cs"/>
+        </a:defRPr>
+      </a:lvl6pPr>
+      <a:lvl7pPr marL="2743200" algn="l" defTabSz="914400" rtl="0" eaLnBrk="1" latinLnBrk="0" hangingPunct="1">
+        <a:defRPr sz="1800" kern="1200">
+          <a:solidFill>
+            <a:schemeClr val="tx1"/>
+          </a:solidFill>
+          <a:latin typeface="+mn-lt"/>
+          <a:ea typeface="+mn-ea"/>
+          <a:cs typeface="+mn-cs"/>
+        </a:defRPr>
+      </a:lvl7pPr>
+      <a:lvl8pPr marL="3200400" algn="l" defTabSz="914400" rtl="0" eaLnBrk="1" latinLnBrk="0" hangingPunct="1">
+        <a:defRPr sz="1800" kern="1200">
+          <a:solidFill>
+            <a:schemeClr val="tx1"/>
+          </a:solidFill>
+          <a:latin typeface="+mn-lt"/>
+          <a:ea typeface="+mn-ea"/>
+          <a:cs typeface="+mn-cs"/>
+        </a:defRPr>
+      </a:lvl8pPr>
+      <a:lvl9pPr marL="3657600" algn="l" defTabSz="914400" rtl="0" eaLnBrk="1" latinLnBrk="0" hangingPunct="1">
+        <a:defRPr sz="1800" kern="1200">
+          <a:solidFill>
+            <a:schemeClr val="tx1"/>
+          </a:solidFill>
+          <a:latin typeface="+mn-lt"/>
+          <a:ea typeface="+mn-ea"/>
+          <a:cs typeface="+mn-cs"/>
+        </a:defRPr>
+      </a:lvl9pPr>
+    </p:otherStyle>
+  </p:txStyles>
 </p:sldMaster>
 </file>
 
@@ -182,55 +467,89 @@
       </p:grpSpPr>
       <p:grpSp>
         <p:nvGrpSpPr>
-          <p:cNvPr id="4" name="Group 3"/>
+          <p:cNvPr id="6" name="组合 5"/>
           <p:cNvGrpSpPr/>
           <p:nvPr/>
         </p:nvGrpSpPr>
         <p:grpSpPr>
           <a:xfrm>
             <a:off x="5220072" y="1484784"/>
-            <a:ext cx="3843995" cy="1215502"/>
+            <a:ext cx="3843995" cy="2832692"/>
             <a:chOff x="5220072" y="1484784"/>
-            <a:chExt cx="3843995" cy="1215502"/>
+            <a:chExt cx="3843995" cy="2832692"/>
           </a:xfrm>
           <a:solidFill>
             <a:srgbClr val="565656"/>
           </a:solidFill>
         </p:grpSpPr>
+        <p:grpSp>
+          <p:nvGrpSpPr>
+            <p:cNvPr id="4" name="Group 3"/>
+            <p:cNvGrpSpPr/>
+            <p:nvPr/>
+          </p:nvGrpSpPr>
+          <p:grpSpPr>
+            <a:xfrm>
+              <a:off x="5220072" y="1484784"/>
+              <a:ext cx="3843995" cy="1215502"/>
+              <a:chOff x="5220072" y="1484784"/>
+              <a:chExt cx="3843995" cy="1215502"/>
+            </a:xfrm>
+          </p:grpSpPr>
+          <p:sp>
+            <p:nvSpPr>
+              <p:cNvPr id="2" name="Rectangle 1"/>
+              <p:cNvSpPr/>
+              <p:nvPr/>
+            </p:nvSpPr>
+            <p:spPr>
+              <a:xfrm>
+                <a:off x="5220072" y="1484784"/>
+                <a:ext cx="1440160" cy="1008112"/>
+              </a:xfrm>
+              <a:prstGeom prst="rect">
+                <a:avLst/>
+              </a:prstGeom>
+              <a:grpFill/>
+            </p:spPr>
+          </p:sp>
+          <p:sp>
+            <p:nvSpPr>
+              <p:cNvPr id="3" name="Rectangle 2"/>
+              <p:cNvSpPr/>
+              <p:nvPr/>
+            </p:nvSpPr>
+            <p:spPr>
+              <a:xfrm>
+                <a:off x="7623907" y="1692174"/>
+                <a:ext cx="1440160" cy="1008112"/>
+              </a:xfrm>
+              <a:prstGeom prst="rect">
+                <a:avLst/>
+              </a:prstGeom>
+              <a:solidFill>
+                <a:srgbClr val="F6F656"/>
+              </a:solidFill>
+            </p:spPr>
+          </p:sp>
+        </p:grpSp>
         <p:sp>
           <p:nvSpPr>
-            <p:cNvPr id="2" name="Rectangle 1"/>
+            <p:cNvPr id="5" name="矩形 4"/>
             <p:cNvSpPr/>
             <p:nvPr/>
           </p:nvSpPr>
           <p:spPr>
             <a:xfrm>
-              <a:off x="5220072" y="1484784"/>
-              <a:ext cx="1440160" cy="1008112"/>
+              <a:off x="6372520" y="3619893"/>
+              <a:ext cx="1319752" cy="697583"/>
             </a:xfrm>
+            <a:solidFill>
+              <a:srgbClr val="F6F656"/>
+            </a:solidFill>
             <a:prstGeom prst="rect">
               <a:avLst/>
             </a:prstGeom>
-            <a:grpFill/>
-          </p:spPr>
-        </p:sp>
-        <p:sp>
-          <p:nvSpPr>
-            <p:cNvPr id="3" name="Rectangle 2"/>
-            <p:cNvSpPr/>
-            <p:nvPr/>
-          </p:nvSpPr>
-          <p:spPr>
-            <a:xfrm>
-              <a:off x="7623907" y="1692174"/>
-              <a:ext cx="1440160" cy="1008112"/>
-            </a:xfrm>
-            <a:prstGeom prst="rect">
-              <a:avLst/>
-            </a:prstGeom>
-            <a:solidFill>
-              <a:srgbClr val="F6F656"/>
-            </a:solidFill>
           </p:spPr>
         </p:sp>
       </p:grpSp>

--- a/PptxDemo/Test.pptx
+++ b/PptxDemo/Test.pptx
@@ -465,94 +465,23 @@
           <a:chExt cx="0" cy="0"/>
         </a:xfrm>
       </p:grpSpPr>
-      <p:grpSp>
-        <p:nvGrpSpPr>
-          <p:cNvPr id="6" name="组合 5"/>
-          <p:cNvGrpSpPr/>
+      <p:sp>
+        <p:nvSpPr>
+          <p:cNvPr id="2" name="Rectangle 1"/>
+          <p:cNvSpPr/>
           <p:nvPr/>
-        </p:nvGrpSpPr>
-        <p:grpSpPr>
+        </p:nvSpPr>
+        <p:spPr>
           <a:xfrm>
             <a:off x="5220072" y="1484784"/>
-            <a:ext cx="3843995" cy="2832692"/>
-            <a:chOff x="5220072" y="1484784"/>
-            <a:chExt cx="3843995" cy="2832692"/>
+            <a:ext cx="1440160" cy="1008112"/>
           </a:xfrm>
-          <a:solidFill>
-            <a:srgbClr val="565656"/>
-          </a:solidFill>
-        </p:grpSpPr>
-        <p:grpSp>
-          <p:nvGrpSpPr>
-            <p:cNvPr id="4" name="Group 3"/>
-            <p:cNvGrpSpPr/>
-            <p:nvPr/>
-          </p:nvGrpSpPr>
-          <p:grpSpPr>
-            <a:xfrm>
-              <a:off x="5220072" y="1484784"/>
-              <a:ext cx="3843995" cy="1215502"/>
-              <a:chOff x="5220072" y="1484784"/>
-              <a:chExt cx="3843995" cy="1215502"/>
-            </a:xfrm>
-          </p:grpSpPr>
-          <p:sp>
-            <p:nvSpPr>
-              <p:cNvPr id="2" name="Rectangle 1"/>
-              <p:cNvSpPr/>
-              <p:nvPr/>
-            </p:nvSpPr>
-            <p:spPr>
-              <a:xfrm>
-                <a:off x="5220072" y="1484784"/>
-                <a:ext cx="1440160" cy="1008112"/>
-              </a:xfrm>
-              <a:prstGeom prst="rect">
-                <a:avLst/>
-              </a:prstGeom>
-              <a:grpFill/>
-            </p:spPr>
-          </p:sp>
-          <p:sp>
-            <p:nvSpPr>
-              <p:cNvPr id="3" name="Rectangle 2"/>
-              <p:cNvSpPr/>
-              <p:nvPr/>
-            </p:nvSpPr>
-            <p:spPr>
-              <a:xfrm>
-                <a:off x="7623907" y="1692174"/>
-                <a:ext cx="1440160" cy="1008112"/>
-              </a:xfrm>
-              <a:prstGeom prst="rect">
-                <a:avLst/>
-              </a:prstGeom>
-              <a:solidFill>
-                <a:srgbClr val="F6F656"/>
-              </a:solidFill>
-            </p:spPr>
-          </p:sp>
-        </p:grpSp>
-        <p:sp>
-          <p:nvSpPr>
-            <p:cNvPr id="5" name="矩形 4"/>
-            <p:cNvSpPr/>
-            <p:nvPr/>
-          </p:nvSpPr>
-          <p:spPr>
-            <a:xfrm>
-              <a:off x="6372520" y="3619893"/>
-              <a:ext cx="1319752" cy="697583"/>
-            </a:xfrm>
-            <a:solidFill>
-              <a:srgbClr val="F6F656"/>
-            </a:solidFill>
-            <a:prstGeom prst="rect">
-              <a:avLst/>
-            </a:prstGeom>
-          </p:spPr>
-        </p:sp>
-      </p:grpSp>
+          <a:prstGeom prst="rect">
+            <a:avLst/>
+          </a:prstGeom>
+          <a:grpFill/>
+        </p:spPr>
+      </p:sp>
     </p:spTree>
   </p:cSld>
   <p:clrMapOvr>

--- a/PptxDemo/Test.pptx
+++ b/PptxDemo/Test.pptx
@@ -130,6 +130,11 @@
         </a:xfrm>
       </p:grpSpPr>
     </p:spTree>
+    <p:extLst>
+      <p:ext uri="{BB962C8B-B14F-4D97-AF65-F5344CB8AC3E}">
+        <p14:creationId xmlns:p14="http://schemas.microsoft.com/office/powerpoint/2010/main" val="2723191420"/>
+      </p:ext>
+    </p:extLst>
   </p:cSld>
   <p:clrMapOvr>
     <a:masterClrMapping/>
@@ -160,6 +165,11 @@
         </a:xfrm>
       </p:grpSpPr>
     </p:spTree>
+    <p:extLst>
+      <p:ext uri="{BB962C8B-B14F-4D97-AF65-F5344CB8AC3E}">
+        <p14:creationId xmlns:p14="http://schemas.microsoft.com/office/powerpoint/2010/main" val="1333735316"/>
+      </p:ext>
+    </p:extLst>
   </p:cSld>
   <p:clrMap bg1="lt1" tx1="dk1" bg2="lt2" tx2="dk2" accent1="accent1" accent2="accent2" accent3="accent3" accent4="accent4" accent5="accent5" accent6="accent6" hlink="hlink" folHlink="folHlink"/>
   <p:sldLayoutIdLst>
@@ -467,26 +477,186 @@
       </p:grpSpPr>
       <p:sp>
         <p:nvSpPr>
-          <p:cNvPr id="2" name="Rectangle 1"/>
+          <p:cNvPr id="3" name="矩形 2"/>
           <p:cNvSpPr/>
           <p:nvPr/>
         </p:nvSpPr>
         <p:spPr>
           <a:xfrm>
-            <a:off x="5220072" y="1484784"/>
-            <a:ext cx="1440160" cy="1008112"/>
+            <a:off x="2139518" y="1313895"/>
+            <a:ext cx="1890944" cy="1100831"/>
           </a:xfrm>
           <a:prstGeom prst="rect">
             <a:avLst/>
           </a:prstGeom>
-          <a:grpFill/>
+          <a:solidFill>
+            <a:schemeClr val="tx1"/>
+          </a:solidFill>
         </p:spPr>
+        <p:style>
+          <a:lnRef idx="2">
+            <a:schemeClr val="accent1">
+              <a:shade val="50000"/>
+            </a:schemeClr>
+          </a:lnRef>
+          <a:fillRef idx="1">
+            <a:schemeClr val="accent1"/>
+          </a:fillRef>
+          <a:effectRef idx="0">
+            <a:schemeClr val="accent1"/>
+          </a:effectRef>
+          <a:fontRef idx="minor">
+            <a:schemeClr val="lt1"/>
+          </a:fontRef>
+        </p:style>
+        <p:txBody>
+          <a:bodyPr rtlCol="0" anchor="ctr"/>
+          <a:lstStyle/>
+          <a:p>
+            <a:pPr algn="ctr"/>
+            <a:endParaRPr lang="zh-CN" altLang="en-US"/>
+          </a:p>
+        </p:txBody>
+      </p:sp>
+      <p:sp>
+        <p:nvSpPr>
+          <p:cNvPr id="4" name="矩形 3"/>
+          <p:cNvSpPr/>
+          <p:nvPr/>
+        </p:nvSpPr>
+        <p:spPr>
+          <a:xfrm>
+            <a:off x="6560597" y="1313894"/>
+            <a:ext cx="1890944" cy="1100831"/>
+          </a:xfrm>
+          <a:prstGeom prst="rect">
+            <a:avLst/>
+          </a:prstGeom>
+        </p:spPr>
+        <p:style>
+          <a:lnRef idx="2">
+            <a:schemeClr val="accent1">
+              <a:shade val="50000"/>
+            </a:schemeClr>
+          </a:lnRef>
+          <a:fillRef idx="1">
+            <a:schemeClr val="accent1"/>
+          </a:fillRef>
+          <a:effectRef idx="0">
+            <a:schemeClr val="accent1"/>
+          </a:effectRef>
+          <a:fontRef idx="minor">
+            <a:schemeClr val="lt1"/>
+          </a:fontRef>
+        </p:style>
+        <p:txBody>
+          <a:bodyPr rtlCol="0" anchor="ctr"/>
+          <a:lstStyle/>
+          <a:p>
+            <a:pPr algn="ctr"/>
+            <a:endParaRPr lang="zh-CN" altLang="en-US"/>
+          </a:p>
+        </p:txBody>
       </p:sp>
     </p:spTree>
+    <p:extLst>
+      <p:ext uri="{BB962C8B-B14F-4D97-AF65-F5344CB8AC3E}">
+        <p14:creationId xmlns:p14="http://schemas.microsoft.com/office/powerpoint/2010/main" val="840519474"/>
+      </p:ext>
+    </p:extLst>
   </p:cSld>
   <p:clrMapOvr>
     <a:masterClrMapping/>
   </p:clrMapOvr>
+  <p:timing>
+    <p:tnLst>
+      <p:par>
+        <p:cTn id="1" dur="indefinite" restart="never" nodeType="tmRoot">
+          <p:childTnLst>
+            <p:seq concurrent="1" nextAc="seek">
+              <p:cTn id="2" restart="whenNotActive" fill="hold" evtFilter="cancelBubble" nodeType="interactiveSeq">
+                <p:stCondLst>
+                  <p:cond evt="onClick" delay="0">
+                    <p:tgtEl>
+                      <p:spTgt spid="3"/>
+                    </p:tgtEl>
+                  </p:cond>
+                </p:stCondLst>
+                <p:endSync evt="end" delay="0">
+                  <p:rtn val="all"/>
+                </p:endSync>
+                <p:childTnLst>
+                  <p:par>
+                    <p:cTn id="3" fill="hold">
+                      <p:stCondLst>
+                        <p:cond delay="0"/>
+                      </p:stCondLst>
+                      <p:childTnLst>
+                        <p:par>
+                          <p:cTn id="4" fill="hold">
+                            <p:stCondLst>
+                              <p:cond delay="0"/>
+                            </p:stCondLst>
+                            <p:childTnLst>
+                              <p:par>
+                                <p:cTn id="5" presetID="10" presetClass="entr" presetSubtype="0" fill="hold" grpId="0" nodeType="clickEffect">
+                                  <p:stCondLst>
+                                    <p:cond delay="0"/>
+                                  </p:stCondLst>
+                                  <p:childTnLst>
+                                    <p:set>
+                                      <p:cBhvr>
+                                        <p:cTn id="6" dur="1" fill="hold">
+                                          <p:stCondLst>
+                                            <p:cond delay="0"/>
+                                          </p:stCondLst>
+                                        </p:cTn>
+                                        <p:tgtEl>
+                                          <p:spTgt spid="4"/>
+                                        </p:tgtEl>
+                                        <p:attrNameLst>
+                                          <p:attrName>style.visibility</p:attrName>
+                                        </p:attrNameLst>
+                                      </p:cBhvr>
+                                      <p:to>
+                                        <p:strVal val="visible"/>
+                                      </p:to>
+                                    </p:set>
+                                    <p:animEffect transition="in" filter="fade">
+                                      <p:cBhvr>
+                                        <p:cTn id="7" dur="500"/>
+                                        <p:tgtEl>
+                                          <p:spTgt spid="4"/>
+                                        </p:tgtEl>
+                                      </p:cBhvr>
+                                    </p:animEffect>
+                                  </p:childTnLst>
+                                </p:cTn>
+                              </p:par>
+                            </p:childTnLst>
+                          </p:cTn>
+                        </p:par>
+                      </p:childTnLst>
+                    </p:cTn>
+                  </p:par>
+                </p:childTnLst>
+              </p:cTn>
+              <p:nextCondLst>
+                <p:cond evt="onClick" delay="0">
+                  <p:tgtEl>
+                    <p:spTgt spid="3"/>
+                  </p:tgtEl>
+                </p:cond>
+              </p:nextCondLst>
+            </p:seq>
+          </p:childTnLst>
+        </p:cTn>
+      </p:par>
+    </p:tnLst>
+    <p:bldLst>
+      <p:bldP spid="4" grpId="0" animBg="1"/>
+    </p:bldLst>
+  </p:timing>
 </p:sld>
 </file>
 
@@ -536,11 +706,71 @@
         <a:latin typeface="等线 Light" panose="020F0302020204030204"/>
         <a:ea typeface=""/>
         <a:cs typeface=""/>
+        <a:font script="Jpan" typeface="游ゴシック Light"/>
+        <a:font script="Hang" typeface="맑은 고딕"/>
+        <a:font script="Hans" typeface="等线 Light"/>
+        <a:font script="Hant" typeface="新細明體"/>
+        <a:font script="Arab" typeface="Times New Roman"/>
+        <a:font script="Hebr" typeface="Times New Roman"/>
+        <a:font script="Thai" typeface="Angsana New"/>
+        <a:font script="Ethi" typeface="Nyala"/>
+        <a:font script="Beng" typeface="Vrinda"/>
+        <a:font script="Gujr" typeface="Shruti"/>
+        <a:font script="Khmr" typeface="MoolBoran"/>
+        <a:font script="Knda" typeface="Tunga"/>
+        <a:font script="Guru" typeface="Raavi"/>
+        <a:font script="Cans" typeface="Euphemia"/>
+        <a:font script="Cher" typeface="Plantagenet Cherokee"/>
+        <a:font script="Yiii" typeface="Microsoft Yi Baiti"/>
+        <a:font script="Tibt" typeface="Microsoft Himalaya"/>
+        <a:font script="Thaa" typeface="MV Boli"/>
+        <a:font script="Deva" typeface="Mangal"/>
+        <a:font script="Telu" typeface="Gautami"/>
+        <a:font script="Taml" typeface="Latha"/>
+        <a:font script="Syrc" typeface="Estrangelo Edessa"/>
+        <a:font script="Orya" typeface="Kalinga"/>
+        <a:font script="Mlym" typeface="Kartika"/>
+        <a:font script="Laoo" typeface="DokChampa"/>
+        <a:font script="Sinh" typeface="Iskoola Pota"/>
+        <a:font script="Mong" typeface="Mongolian Baiti"/>
+        <a:font script="Viet" typeface="Times New Roman"/>
+        <a:font script="Uigh" typeface="Microsoft Uighur"/>
+        <a:font script="Geor" typeface="Sylfaen"/>
       </a:majorFont>
       <a:minorFont>
         <a:latin typeface="等线" panose="020F0502020204030204"/>
         <a:ea typeface=""/>
         <a:cs typeface=""/>
+        <a:font script="Jpan" typeface="游ゴシック"/>
+        <a:font script="Hang" typeface="맑은 고딕"/>
+        <a:font script="Hans" typeface="等线"/>
+        <a:font script="Hant" typeface="新細明體"/>
+        <a:font script="Arab" typeface="Arial"/>
+        <a:font script="Hebr" typeface="Arial"/>
+        <a:font script="Thai" typeface="Cordia New"/>
+        <a:font script="Ethi" typeface="Nyala"/>
+        <a:font script="Beng" typeface="Vrinda"/>
+        <a:font script="Gujr" typeface="Shruti"/>
+        <a:font script="Khmr" typeface="DaunPenh"/>
+        <a:font script="Knda" typeface="Tunga"/>
+        <a:font script="Guru" typeface="Raavi"/>
+        <a:font script="Cans" typeface="Euphemia"/>
+        <a:font script="Cher" typeface="Plantagenet Cherokee"/>
+        <a:font script="Yiii" typeface="Microsoft Yi Baiti"/>
+        <a:font script="Tibt" typeface="Microsoft Himalaya"/>
+        <a:font script="Thaa" typeface="MV Boli"/>
+        <a:font script="Deva" typeface="Mangal"/>
+        <a:font script="Telu" typeface="Gautami"/>
+        <a:font script="Taml" typeface="Latha"/>
+        <a:font script="Syrc" typeface="Estrangelo Edessa"/>
+        <a:font script="Orya" typeface="Kalinga"/>
+        <a:font script="Mlym" typeface="Kartika"/>
+        <a:font script="Laoo" typeface="DokChampa"/>
+        <a:font script="Sinh" typeface="Iskoola Pota"/>
+        <a:font script="Mong" typeface="Mongolian Baiti"/>
+        <a:font script="Viet" typeface="Arial"/>
+        <a:font script="Uigh" typeface="Microsoft Uighur"/>
+        <a:font script="Geor" typeface="Sylfaen"/>
       </a:minorFont>
     </a:fontScheme>
     <a:fmtScheme name="Office">
@@ -555,6 +785,13 @@
                 <a:lumMod val="110000"/>
                 <a:satMod val="105000"/>
                 <a:tint val="67000"/>
+              </a:schemeClr>
+            </a:gs>
+            <a:gs pos="50000">
+              <a:schemeClr val="phClr">
+                <a:lumMod val="105000"/>
+                <a:satMod val="103000"/>
+                <a:tint val="73000"/>
               </a:schemeClr>
             </a:gs>
             <a:gs pos="100000">
@@ -576,6 +813,13 @@
                 <a:tint val="94000"/>
               </a:schemeClr>
             </a:gs>
+            <a:gs pos="50000">
+              <a:schemeClr val="phClr">
+                <a:satMod val="110000"/>
+                <a:lumMod val="100000"/>
+                <a:shade val="100000"/>
+              </a:schemeClr>
+            </a:gs>
             <a:gs pos="100000">
               <a:schemeClr val="phClr">
                 <a:lumMod val="99000"/>
@@ -588,21 +832,21 @@
         </a:gradFill>
       </a:fillStyleLst>
       <a:lnStyleLst>
-        <a:ln w="106350" cap="flat" cmpd="sng" algn="ctr">
+        <a:ln w="6350" cap="flat" cmpd="sng" algn="ctr">
           <a:solidFill>
             <a:schemeClr val="phClr"/>
           </a:solidFill>
           <a:prstDash val="solid"/>
           <a:miter lim="800000"/>
         </a:ln>
-        <a:ln w="95250" cap="flat" cmpd="sng" algn="ctr">
+        <a:ln w="12700" cap="flat" cmpd="sng" algn="ctr">
           <a:solidFill>
             <a:schemeClr val="phClr"/>
           </a:solidFill>
           <a:prstDash val="solid"/>
           <a:miter lim="800000"/>
         </a:ln>
-        <a:ln w="95250" cap="flat" cmpd="sng" algn="ctr">
+        <a:ln w="19050" cap="flat" cmpd="sng" algn="ctr">
           <a:solidFill>
             <a:schemeClr val="phClr"/>
           </a:solidFill>
@@ -618,7 +862,13 @@
           <a:effectLst/>
         </a:effectStyle>
         <a:effectStyle>
-          <a:effectLst/>
+          <a:effectLst>
+            <a:outerShdw blurRad="57150" dist="19050" dir="5400000" algn="ctr" rotWithShape="0">
+              <a:srgbClr val="000000">
+                <a:alpha val="63000"/>
+              </a:srgbClr>
+            </a:outerShdw>
+          </a:effectLst>
         </a:effectStyle>
       </a:effectStyleLst>
       <a:bgFillStyleLst>
@@ -639,6 +889,14 @@
                 <a:satMod val="150000"/>
                 <a:shade val="98000"/>
                 <a:lumMod val="102000"/>
+              </a:schemeClr>
+            </a:gs>
+            <a:gs pos="50000">
+              <a:schemeClr val="phClr">
+                <a:tint val="98000"/>
+                <a:satMod val="130000"/>
+                <a:shade val="90000"/>
+                <a:lumMod val="103000"/>
               </a:schemeClr>
             </a:gs>
             <a:gs pos="100000">
@@ -655,5 +913,10 @@
   </a:themeElements>
   <a:objectDefaults/>
   <a:extraClrSchemeLst/>
+  <a:extLst>
+    <a:ext uri="{05A4C25C-085E-4340-85A3-A5531E510DB2}">
+      <thm15:themeFamily xmlns:thm15="http://schemas.microsoft.com/office/thememl/2012/main" name="Office Theme" id="{62F939B6-93AF-4DB8-9C6B-D6C7DFDC589F}" vid="{4A3C46E8-61CC-4603-A589-7422A47A8E4A}"/>
+    </a:ext>
+  </a:extLst>
 </a:theme>
 </file>